--- a/powerpoint/Session2.pptx
+++ b/powerpoint/Session2.pptx
@@ -17128,27 +17128,7 @@
                 <a:latin typeface="Calibri"/>
                 <a:ea typeface="DejaVu Sans"/>
               </a:rPr>
-              <a:t>(registration open now, starts 18</a:t>
-            </a:r>
-            <a:r>
-              <a:rPr lang="en-GB" sz="2180" b="1" spc="-1" baseline="30000" dirty="0">
-                <a:solidFill>
-                  <a:srgbClr val="000000"/>
-                </a:solidFill>
-                <a:latin typeface="Calibri"/>
-                <a:ea typeface="DejaVu Sans"/>
-              </a:rPr>
-              <a:t>th</a:t>
-            </a:r>
-            <a:r>
-              <a:rPr lang="en-GB" sz="2180" b="1" spc="-1" dirty="0">
-                <a:solidFill>
-                  <a:srgbClr val="000000"/>
-                </a:solidFill>
-                <a:latin typeface="Calibri"/>
-                <a:ea typeface="DejaVu Sans"/>
-              </a:rPr>
-              <a:t> May)</a:t>
+              <a:t>(Michaelmas 2022)</a:t>
             </a:r>
             <a:endParaRPr lang="en-GB" sz="2180" b="0" strike="noStrike" spc="-1" dirty="0">
               <a:latin typeface="Arial"/>
